--- a/Fixing Recurring Crash Bugs via Analyzing QA Sites T.pptx
+++ b/Fixing Recurring Crash Bugs via Analyzing QA Sites T.pptx
@@ -5,7 +5,7 @@
     <p:sldMasterId id="2147483648" r:id="rId1"/>
   </p:sldMasterIdLst>
   <p:notesMasterIdLst>
-    <p:notesMasterId r:id="rId30"/>
+    <p:notesMasterId r:id="rId31"/>
   </p:notesMasterIdLst>
   <p:sldIdLst>
     <p:sldId id="256" r:id="rId2"/>
@@ -36,26 +36,27 @@
     <p:sldId id="372" r:id="rId27"/>
     <p:sldId id="373" r:id="rId28"/>
     <p:sldId id="374" r:id="rId29"/>
+    <p:sldId id="375" r:id="rId30"/>
   </p:sldIdLst>
   <p:sldSz cx="18288000" cy="10287000"/>
   <p:notesSz cx="6858000" cy="9144000"/>
   <p:embeddedFontLst>
     <p:embeddedFont>
       <p:font typeface="Fira Sans Bold Bold" panose="020B0604020202020204" charset="0"/>
-      <p:regular r:id="rId31"/>
+      <p:regular r:id="rId32"/>
     </p:embeddedFont>
     <p:embeddedFont>
       <p:font typeface="Fira Sans Light Bold" panose="020B0604020202020204" charset="0"/>
-      <p:regular r:id="rId32"/>
+      <p:regular r:id="rId33"/>
     </p:embeddedFont>
     <p:embeddedFont>
       <p:font typeface="Fira Sans Medium" panose="020B0603050000020004" pitchFamily="34" charset="0"/>
-      <p:regular r:id="rId33"/>
-      <p:italic r:id="rId34"/>
+      <p:regular r:id="rId34"/>
+      <p:italic r:id="rId35"/>
     </p:embeddedFont>
     <p:embeddedFont>
       <p:font typeface="Fira Sans Medium Bold" panose="020B0604020202020204" charset="0"/>
-      <p:regular r:id="rId35"/>
+      <p:regular r:id="rId36"/>
     </p:embeddedFont>
   </p:embeddedFontLst>
   <p:defaultTextStyle>
@@ -254,7 +255,7 @@
           <a:p>
             <a:fld id="{428922EB-DA70-4DDC-9F35-811504DA063F}" type="datetimeFigureOut">
               <a:rPr lang="en-US" smtClean="0"/>
-              <a:t>2/3/2025</a:t>
+              <a:t>2/4/2025</a:t>
             </a:fld>
             <a:endParaRPr lang="en-US"/>
           </a:p>
@@ -953,7 +954,7 @@
             <a:fld id="{1D8BD707-D9CF-40AE-B4C6-C98DA3205C09}" type="datetimeFigureOut">
               <a:rPr lang="en-US" smtClean="0"/>
               <a:pPr/>
-              <a:t>2/3/2025</a:t>
+              <a:t>2/4/2025</a:t>
             </a:fld>
             <a:endParaRPr lang="en-US"/>
           </a:p>
@@ -1118,7 +1119,7 @@
             <a:fld id="{1D8BD707-D9CF-40AE-B4C6-C98DA3205C09}" type="datetimeFigureOut">
               <a:rPr lang="en-US" smtClean="0"/>
               <a:pPr/>
-              <a:t>2/3/2025</a:t>
+              <a:t>2/4/2025</a:t>
             </a:fld>
             <a:endParaRPr lang="en-US"/>
           </a:p>
@@ -1293,7 +1294,7 @@
             <a:fld id="{1D8BD707-D9CF-40AE-B4C6-C98DA3205C09}" type="datetimeFigureOut">
               <a:rPr lang="en-US" smtClean="0"/>
               <a:pPr/>
-              <a:t>2/3/2025</a:t>
+              <a:t>2/4/2025</a:t>
             </a:fld>
             <a:endParaRPr lang="en-US"/>
           </a:p>
@@ -1458,7 +1459,7 @@
             <a:fld id="{1D8BD707-D9CF-40AE-B4C6-C98DA3205C09}" type="datetimeFigureOut">
               <a:rPr lang="en-US" smtClean="0"/>
               <a:pPr/>
-              <a:t>2/3/2025</a:t>
+              <a:t>2/4/2025</a:t>
             </a:fld>
             <a:endParaRPr lang="en-US"/>
           </a:p>
@@ -1700,7 +1701,7 @@
             <a:fld id="{1D8BD707-D9CF-40AE-B4C6-C98DA3205C09}" type="datetimeFigureOut">
               <a:rPr lang="en-US" smtClean="0"/>
               <a:pPr/>
-              <a:t>2/3/2025</a:t>
+              <a:t>2/4/2025</a:t>
             </a:fld>
             <a:endParaRPr lang="en-US"/>
           </a:p>
@@ -1982,7 +1983,7 @@
             <a:fld id="{1D8BD707-D9CF-40AE-B4C6-C98DA3205C09}" type="datetimeFigureOut">
               <a:rPr lang="en-US" smtClean="0"/>
               <a:pPr/>
-              <a:t>2/3/2025</a:t>
+              <a:t>2/4/2025</a:t>
             </a:fld>
             <a:endParaRPr lang="en-US"/>
           </a:p>
@@ -2398,7 +2399,7 @@
             <a:fld id="{1D8BD707-D9CF-40AE-B4C6-C98DA3205C09}" type="datetimeFigureOut">
               <a:rPr lang="en-US" smtClean="0"/>
               <a:pPr/>
-              <a:t>2/3/2025</a:t>
+              <a:t>2/4/2025</a:t>
             </a:fld>
             <a:endParaRPr lang="en-US"/>
           </a:p>
@@ -2512,7 +2513,7 @@
             <a:fld id="{1D8BD707-D9CF-40AE-B4C6-C98DA3205C09}" type="datetimeFigureOut">
               <a:rPr lang="en-US" smtClean="0"/>
               <a:pPr/>
-              <a:t>2/3/2025</a:t>
+              <a:t>2/4/2025</a:t>
             </a:fld>
             <a:endParaRPr lang="en-US"/>
           </a:p>
@@ -2604,7 +2605,7 @@
             <a:fld id="{1D8BD707-D9CF-40AE-B4C6-C98DA3205C09}" type="datetimeFigureOut">
               <a:rPr lang="en-US" smtClean="0"/>
               <a:pPr/>
-              <a:t>2/3/2025</a:t>
+              <a:t>2/4/2025</a:t>
             </a:fld>
             <a:endParaRPr lang="en-US"/>
           </a:p>
@@ -2876,7 +2877,7 @@
             <a:fld id="{1D8BD707-D9CF-40AE-B4C6-C98DA3205C09}" type="datetimeFigureOut">
               <a:rPr lang="en-US" smtClean="0"/>
               <a:pPr/>
-              <a:t>2/3/2025</a:t>
+              <a:t>2/4/2025</a:t>
             </a:fld>
             <a:endParaRPr lang="en-US"/>
           </a:p>
@@ -3125,7 +3126,7 @@
             <a:fld id="{1D8BD707-D9CF-40AE-B4C6-C98DA3205C09}" type="datetimeFigureOut">
               <a:rPr lang="en-US" smtClean="0"/>
               <a:pPr/>
-              <a:t>2/3/2025</a:t>
+              <a:t>2/4/2025</a:t>
             </a:fld>
             <a:endParaRPr lang="en-US"/>
           </a:p>
@@ -3333,7 +3334,7 @@
             <a:fld id="{1D8BD707-D9CF-40AE-B4C6-C98DA3205C09}" type="datetimeFigureOut">
               <a:rPr lang="en-US" smtClean="0"/>
               <a:pPr/>
-              <a:t>2/3/2025</a:t>
+              <a:t>2/4/2025</a:t>
             </a:fld>
             <a:endParaRPr lang="en-US"/>
           </a:p>
@@ -13055,6 +13056,314 @@
     <p:extLst>
       <p:ext uri="{BB962C8B-B14F-4D97-AF65-F5344CB8AC3E}">
         <p14:creationId xmlns:p14="http://schemas.microsoft.com/office/powerpoint/2010/main" val="2028972132"/>
+      </p:ext>
+    </p:extLst>
+  </p:cSld>
+  <p:clrMapOvr>
+    <a:masterClrMapping/>
+  </p:clrMapOvr>
+</p:sld>
+</file>
+
+<file path=ppt/slides/slide29.xml><?xml version="1.0" encoding="utf-8"?>
+<p:sld xmlns:a="http://schemas.openxmlformats.org/drawingml/2006/main" xmlns:r="http://schemas.openxmlformats.org/officeDocument/2006/relationships" xmlns:p="http://schemas.openxmlformats.org/presentationml/2006/main">
+  <p:cSld>
+    <p:spTree>
+      <p:nvGrpSpPr>
+        <p:cNvPr id="1" name="">
+          <a:extLst>
+            <a:ext uri="{FF2B5EF4-FFF2-40B4-BE49-F238E27FC236}">
+              <a16:creationId xmlns:a16="http://schemas.microsoft.com/office/drawing/2014/main" id="{8C4AFCED-3B3E-87E1-2CD0-F9A253935EB7}"/>
+            </a:ext>
+          </a:extLst>
+        </p:cNvPr>
+        <p:cNvGrpSpPr/>
+        <p:nvPr/>
+      </p:nvGrpSpPr>
+      <p:grpSpPr>
+        <a:xfrm>
+          <a:off x="0" y="0"/>
+          <a:ext cx="0" cy="0"/>
+          <a:chOff x="0" y="0"/>
+          <a:chExt cx="0" cy="0"/>
+        </a:xfrm>
+      </p:grpSpPr>
+      <p:grpSp>
+        <p:nvGrpSpPr>
+          <p:cNvPr id="2" name="Group 2">
+            <a:extLst>
+              <a:ext uri="{FF2B5EF4-FFF2-40B4-BE49-F238E27FC236}">
+                <a16:creationId xmlns:a16="http://schemas.microsoft.com/office/drawing/2014/main" id="{74E00728-E725-4160-BE89-08153AC51D9F}"/>
+              </a:ext>
+            </a:extLst>
+          </p:cNvPr>
+          <p:cNvGrpSpPr/>
+          <p:nvPr/>
+        </p:nvGrpSpPr>
+        <p:grpSpPr>
+          <a:xfrm>
+            <a:off x="13681476" y="-1043716"/>
+            <a:ext cx="4919330" cy="2999667"/>
+            <a:chOff x="0" y="0"/>
+            <a:chExt cx="8810024" cy="5372100"/>
+          </a:xfrm>
+        </p:grpSpPr>
+        <p:sp>
+          <p:nvSpPr>
+            <p:cNvPr id="3" name="Freeform 3">
+              <a:extLst>
+                <a:ext uri="{FF2B5EF4-FFF2-40B4-BE49-F238E27FC236}">
+                  <a16:creationId xmlns:a16="http://schemas.microsoft.com/office/drawing/2014/main" id="{F7C9F2C1-940A-7609-00BD-F8592620A603}"/>
+                </a:ext>
+              </a:extLst>
+            </p:cNvPr>
+            <p:cNvSpPr/>
+            <p:nvPr/>
+          </p:nvSpPr>
+          <p:spPr>
+            <a:xfrm>
+              <a:off x="0" y="0"/>
+              <a:ext cx="8810023" cy="5372100"/>
+            </a:xfrm>
+            <a:custGeom>
+              <a:avLst/>
+              <a:gdLst/>
+              <a:ahLst/>
+              <a:cxnLst/>
+              <a:rect l="l" t="t" r="r" b="b"/>
+              <a:pathLst>
+                <a:path w="8810023" h="5372100">
+                  <a:moveTo>
+                    <a:pt x="7259353" y="0"/>
+                  </a:moveTo>
+                  <a:lnTo>
+                    <a:pt x="1550670" y="0"/>
+                  </a:lnTo>
+                  <a:lnTo>
+                    <a:pt x="0" y="2686050"/>
+                  </a:lnTo>
+                  <a:lnTo>
+                    <a:pt x="1550670" y="5372100"/>
+                  </a:lnTo>
+                  <a:lnTo>
+                    <a:pt x="7259354" y="5372100"/>
+                  </a:lnTo>
+                  <a:lnTo>
+                    <a:pt x="8810023" y="2686050"/>
+                  </a:lnTo>
+                  <a:lnTo>
+                    <a:pt x="7259353" y="0"/>
+                  </a:lnTo>
+                  <a:close/>
+                </a:path>
+              </a:pathLst>
+            </a:custGeom>
+            <a:solidFill>
+              <a:srgbClr val="86C7ED"/>
+            </a:solidFill>
+          </p:spPr>
+        </p:sp>
+      </p:grpSp>
+      <p:grpSp>
+        <p:nvGrpSpPr>
+          <p:cNvPr id="4" name="Group 4">
+            <a:extLst>
+              <a:ext uri="{FF2B5EF4-FFF2-40B4-BE49-F238E27FC236}">
+                <a16:creationId xmlns:a16="http://schemas.microsoft.com/office/drawing/2014/main" id="{53A3B7BA-3278-08AA-73C0-03DD462EE62C}"/>
+              </a:ext>
+            </a:extLst>
+          </p:cNvPr>
+          <p:cNvGrpSpPr/>
+          <p:nvPr/>
+        </p:nvGrpSpPr>
+        <p:grpSpPr>
+          <a:xfrm>
+            <a:off x="15540145" y="-2062615"/>
+            <a:ext cx="5495709" cy="5078622"/>
+            <a:chOff x="0" y="0"/>
+            <a:chExt cx="5813290" cy="5372100"/>
+          </a:xfrm>
+        </p:grpSpPr>
+        <p:sp>
+          <p:nvSpPr>
+            <p:cNvPr id="5" name="Freeform 5">
+              <a:extLst>
+                <a:ext uri="{FF2B5EF4-FFF2-40B4-BE49-F238E27FC236}">
+                  <a16:creationId xmlns:a16="http://schemas.microsoft.com/office/drawing/2014/main" id="{010A47FC-907B-66AB-E627-3D4669E5AF1F}"/>
+                </a:ext>
+              </a:extLst>
+            </p:cNvPr>
+            <p:cNvSpPr/>
+            <p:nvPr/>
+          </p:nvSpPr>
+          <p:spPr>
+            <a:xfrm>
+              <a:off x="0" y="0"/>
+              <a:ext cx="5813290" cy="5372100"/>
+            </a:xfrm>
+            <a:custGeom>
+              <a:avLst/>
+              <a:gdLst/>
+              <a:ahLst/>
+              <a:cxnLst/>
+              <a:rect l="l" t="t" r="r" b="b"/>
+              <a:pathLst>
+                <a:path w="5813290" h="5372100">
+                  <a:moveTo>
+                    <a:pt x="4262620" y="0"/>
+                  </a:moveTo>
+                  <a:lnTo>
+                    <a:pt x="1550670" y="0"/>
+                  </a:lnTo>
+                  <a:lnTo>
+                    <a:pt x="0" y="2686050"/>
+                  </a:lnTo>
+                  <a:lnTo>
+                    <a:pt x="1550670" y="5372100"/>
+                  </a:lnTo>
+                  <a:lnTo>
+                    <a:pt x="4262620" y="5372100"/>
+                  </a:lnTo>
+                  <a:lnTo>
+                    <a:pt x="5813290" y="2686050"/>
+                  </a:lnTo>
+                  <a:lnTo>
+                    <a:pt x="4262620" y="0"/>
+                  </a:lnTo>
+                  <a:close/>
+                </a:path>
+              </a:pathLst>
+            </a:custGeom>
+            <a:solidFill>
+              <a:srgbClr val="1836B2"/>
+            </a:solidFill>
+          </p:spPr>
+        </p:sp>
+      </p:grpSp>
+      <p:sp>
+        <p:nvSpPr>
+          <p:cNvPr id="7" name="TextBox 7">
+            <a:extLst>
+              <a:ext uri="{FF2B5EF4-FFF2-40B4-BE49-F238E27FC236}">
+                <a16:creationId xmlns:a16="http://schemas.microsoft.com/office/drawing/2014/main" id="{EB8DA044-691F-1BEC-D826-5ABD7B483DD9}"/>
+              </a:ext>
+            </a:extLst>
+          </p:cNvPr>
+          <p:cNvSpPr txBox="1"/>
+          <p:nvPr/>
+        </p:nvSpPr>
+        <p:spPr>
+          <a:xfrm>
+            <a:off x="6248401" y="4457700"/>
+            <a:ext cx="5638800" cy="1070678"/>
+          </a:xfrm>
+          <a:prstGeom prst="rect">
+            <a:avLst/>
+          </a:prstGeom>
+        </p:spPr>
+        <p:txBody>
+          <a:bodyPr wrap="square" lIns="0" tIns="0" rIns="0" bIns="0" rtlCol="0" anchor="t">
+            <a:spAutoFit/>
+          </a:bodyPr>
+          <a:lstStyle/>
+          <a:p>
+            <a:pPr marL="0" lvl="0" indent="0">
+              <a:lnSpc>
+                <a:spcPts val="8800"/>
+              </a:lnSpc>
+              <a:spcBef>
+                <a:spcPct val="0"/>
+              </a:spcBef>
+            </a:pPr>
+            <a:r>
+              <a:rPr lang="en-US" sz="6600" dirty="0">
+                <a:solidFill>
+                  <a:srgbClr val="1836B2"/>
+                </a:solidFill>
+                <a:latin typeface="Fira Sans Medium Bold"/>
+              </a:rPr>
+              <a:t>THANK YOU </a:t>
+            </a:r>
+            <a:endParaRPr lang="en-US" sz="6600" u="none" dirty="0">
+              <a:solidFill>
+                <a:srgbClr val="1836B2"/>
+              </a:solidFill>
+              <a:latin typeface="Fira Sans Medium Bold"/>
+            </a:endParaRPr>
+          </a:p>
+        </p:txBody>
+      </p:sp>
+      <p:sp>
+        <p:nvSpPr>
+          <p:cNvPr id="10" name="TextBox 20">
+            <a:extLst>
+              <a:ext uri="{FF2B5EF4-FFF2-40B4-BE49-F238E27FC236}">
+                <a16:creationId xmlns:a16="http://schemas.microsoft.com/office/drawing/2014/main" id="{4FDAA2FC-BBF8-8793-3055-A796143055D4}"/>
+              </a:ext>
+            </a:extLst>
+          </p:cNvPr>
+          <p:cNvSpPr txBox="1"/>
+          <p:nvPr/>
+        </p:nvSpPr>
+        <p:spPr>
+          <a:xfrm>
+            <a:off x="17375347" y="9486900"/>
+            <a:ext cx="912653" cy="647357"/>
+          </a:xfrm>
+          <a:prstGeom prst="rect">
+            <a:avLst/>
+          </a:prstGeom>
+        </p:spPr>
+        <p:txBody>
+          <a:bodyPr wrap="square" lIns="0" tIns="0" rIns="0" bIns="0" rtlCol="0" anchor="t">
+            <a:spAutoFit/>
+          </a:bodyPr>
+          <a:lstStyle/>
+          <a:p>
+            <a:pPr algn="ctr">
+              <a:lnSpc>
+                <a:spcPts val="5599"/>
+              </a:lnSpc>
+              <a:spcBef>
+                <a:spcPct val="0"/>
+              </a:spcBef>
+            </a:pPr>
+            <a:r>
+              <a:rPr lang="en-US" sz="3200">
+                <a:solidFill>
+                  <a:srgbClr val="000000"/>
+                </a:solidFill>
+                <a:latin typeface="Fira Sans Medium"/>
+                <a:hlinkClick r:id="rId2" action="ppaction://hlinksldjump">
+                  <a:extLst>
+                    <a:ext uri="{A12FA001-AC4F-418D-AE19-62706E023703}">
+                      <ahyp:hlinkClr xmlns:ahyp="http://schemas.microsoft.com/office/drawing/2018/hyperlinkcolor" val="tx"/>
+                    </a:ext>
+                  </a:extLst>
+                </a:hlinkClick>
+              </a:rPr>
+              <a:t>29</a:t>
+            </a:r>
+            <a:endParaRPr lang="en-US" sz="3200" dirty="0">
+              <a:solidFill>
+                <a:srgbClr val="000000"/>
+              </a:solidFill>
+              <a:latin typeface="Fira Sans Medium"/>
+              <a:hlinkClick r:id="rId2" action="ppaction://hlinksldjump">
+                <a:extLst>
+                  <a:ext uri="{A12FA001-AC4F-418D-AE19-62706E023703}">
+                    <ahyp:hlinkClr xmlns:ahyp="http://schemas.microsoft.com/office/drawing/2018/hyperlinkcolor" val="tx"/>
+                  </a:ext>
+                </a:extLst>
+              </a:hlinkClick>
+            </a:endParaRPr>
+          </a:p>
+        </p:txBody>
+      </p:sp>
+    </p:spTree>
+    <p:extLst>
+      <p:ext uri="{BB962C8B-B14F-4D97-AF65-F5344CB8AC3E}">
+        <p14:creationId xmlns:p14="http://schemas.microsoft.com/office/powerpoint/2010/main" val="1387604776"/>
       </p:ext>
     </p:extLst>
   </p:cSld>
